--- a/modelo-apresentacao-CSI-PF.pptx
+++ b/modelo-apresentacao-CSI-PF.pptx
@@ -11,15 +11,8 @@
     <p:sldId id="259" r:id="rId5"/>
     <p:sldId id="260" r:id="rId6"/>
     <p:sldId id="261" r:id="rId7"/>
-    <p:sldId id="262" r:id="rId8"/>
-    <p:sldId id="263" r:id="rId9"/>
-    <p:sldId id="264" r:id="rId10"/>
-    <p:sldId id="265" r:id="rId11"/>
-    <p:sldId id="266" r:id="rId12"/>
-    <p:sldId id="267" r:id="rId13"/>
-    <p:sldId id="268" r:id="rId14"/>
-    <p:sldId id="269" r:id="rId15"/>
-    <p:sldId id="270" r:id="rId16"/>
+    <p:sldId id="269" r:id="rId8"/>
+    <p:sldId id="270" r:id="rId9"/>
   </p:sldIdLst>
   <p:sldSz cx="12192000" cy="6858000"/>
   <p:notesSz cx="6858000" cy="9144000"/>
@@ -819,614 +812,6 @@
 </p:sld>
 </file>
 
-<file path=ppt/slides/slide10.xml><?xml version="1.0" encoding="utf-8"?>
-<p:sld xmlns:a="http://schemas.openxmlformats.org/drawingml/2006/main" xmlns:r="http://schemas.openxmlformats.org/officeDocument/2006/relationships" xmlns:p="http://schemas.openxmlformats.org/presentationml/2006/main">
-  <p:cSld>
-    <p:spTree>
-      <p:nvGrpSpPr>
-        <p:cNvPr id="1" name=""/>
-        <p:cNvGrpSpPr/>
-        <p:nvPr/>
-      </p:nvGrpSpPr>
-      <p:grpSpPr>
-        <a:xfrm>
-          <a:off x="0" y="0"/>
-          <a:ext cx="0" cy="0"/>
-          <a:chOff x="0" y="0"/>
-          <a:chExt cx="0" cy="0"/>
-        </a:xfrm>
-      </p:grpSpPr>
-      <p:sp>
-        <p:nvSpPr>
-          <p:cNvPr id="2" name="CaixaDeTexto 1"/>
-          <p:cNvSpPr txBox="1"/>
-          <p:nvPr/>
-        </p:nvSpPr>
-        <p:spPr>
-          <a:xfrm>
-            <a:off x="-28022" y="1229851"/>
-            <a:ext cx="12192000" cy="830997"/>
-          </a:xfrm>
-          <a:prstGeom prst="rect">
-            <a:avLst/>
-          </a:prstGeom>
-          <a:noFill/>
-        </p:spPr>
-        <p:txBody>
-          <a:bodyPr wrap="square" rtlCol="0">
-            <a:spAutoFit/>
-          </a:bodyPr>
-          <a:lstStyle/>
-          <a:p>
-            <a:pPr algn="ctr"/>
-            <a:r>
-              <a:rPr lang="pt-BR" sz="4800" dirty="0">
-                <a:solidFill>
-                  <a:schemeClr val="bg1"/>
-                </a:solidFill>
-                <a:latin typeface="Arial Black" panose="020B0A04020102020204" pitchFamily="34" charset="0"/>
-              </a:rPr>
-              <a:t>Diagrama de classes</a:t>
-            </a:r>
-          </a:p>
-        </p:txBody>
-      </p:sp>
-      <p:pic>
-        <p:nvPicPr>
-          <p:cNvPr id="7170" name="Picture 2" descr="-Notação gráfica do diagrama de classes UML (resumido)  ">
-            <a:extLst>
-              <a:ext uri="{FF2B5EF4-FFF2-40B4-BE49-F238E27FC236}">
-                <a16:creationId xmlns:a16="http://schemas.microsoft.com/office/drawing/2014/main" id="{93F956CE-D4AA-4764-9DA6-F993954A4DD5}"/>
-              </a:ext>
-            </a:extLst>
-          </p:cNvPr>
-          <p:cNvPicPr>
-            <a:picLocks noChangeAspect="1" noChangeArrowheads="1"/>
-          </p:cNvPicPr>
-          <p:nvPr/>
-        </p:nvPicPr>
-        <p:blipFill>
-          <a:blip r:embed="rId2">
-            <a:extLst>
-              <a:ext uri="{28A0092B-C50C-407E-A947-70E740481C1C}">
-                <a14:useLocalDpi xmlns:a14="http://schemas.microsoft.com/office/drawing/2010/main" val="0"/>
-              </a:ext>
-            </a:extLst>
-          </a:blip>
-          <a:srcRect/>
-          <a:stretch>
-            <a:fillRect/>
-          </a:stretch>
-        </p:blipFill>
-        <p:spPr bwMode="auto">
-          <a:xfrm>
-            <a:off x="2567751" y="2060848"/>
-            <a:ext cx="7000453" cy="3730830"/>
-          </a:xfrm>
-          <a:prstGeom prst="rect">
-            <a:avLst/>
-          </a:prstGeom>
-          <a:noFill/>
-          <a:extLst>
-            <a:ext uri="{909E8E84-426E-40DD-AFC4-6F175D3DCCD1}">
-              <a14:hiddenFill xmlns:a14="http://schemas.microsoft.com/office/drawing/2010/main">
-                <a:solidFill>
-                  <a:srgbClr val="FFFFFF"/>
-                </a:solidFill>
-              </a14:hiddenFill>
-            </a:ext>
-          </a:extLst>
-        </p:spPr>
-      </p:pic>
-    </p:spTree>
-    <p:extLst>
-      <p:ext uri="{BB962C8B-B14F-4D97-AF65-F5344CB8AC3E}">
-        <p14:creationId xmlns:p14="http://schemas.microsoft.com/office/powerpoint/2010/main" val="3407586750"/>
-      </p:ext>
-    </p:extLst>
-  </p:cSld>
-  <p:clrMapOvr>
-    <a:masterClrMapping/>
-  </p:clrMapOvr>
-</p:sld>
-</file>
-
-<file path=ppt/slides/slide11.xml><?xml version="1.0" encoding="utf-8"?>
-<p:sld xmlns:a="http://schemas.openxmlformats.org/drawingml/2006/main" xmlns:r="http://schemas.openxmlformats.org/officeDocument/2006/relationships" xmlns:p="http://schemas.openxmlformats.org/presentationml/2006/main">
-  <p:cSld>
-    <p:spTree>
-      <p:nvGrpSpPr>
-        <p:cNvPr id="1" name=""/>
-        <p:cNvGrpSpPr/>
-        <p:nvPr/>
-      </p:nvGrpSpPr>
-      <p:grpSpPr>
-        <a:xfrm>
-          <a:off x="0" y="0"/>
-          <a:ext cx="0" cy="0"/>
-          <a:chOff x="0" y="0"/>
-          <a:chExt cx="0" cy="0"/>
-        </a:xfrm>
-      </p:grpSpPr>
-      <p:sp>
-        <p:nvSpPr>
-          <p:cNvPr id="2" name="CaixaDeTexto 1"/>
-          <p:cNvSpPr txBox="1"/>
-          <p:nvPr/>
-        </p:nvSpPr>
-        <p:spPr>
-          <a:xfrm>
-            <a:off x="-28022" y="1229851"/>
-            <a:ext cx="12192000" cy="830997"/>
-          </a:xfrm>
-          <a:prstGeom prst="rect">
-            <a:avLst/>
-          </a:prstGeom>
-          <a:noFill/>
-        </p:spPr>
-        <p:txBody>
-          <a:bodyPr wrap="square" rtlCol="0">
-            <a:spAutoFit/>
-          </a:bodyPr>
-          <a:lstStyle/>
-          <a:p>
-            <a:pPr algn="ctr"/>
-            <a:r>
-              <a:rPr lang="pt-BR" sz="4800" dirty="0">
-                <a:solidFill>
-                  <a:schemeClr val="bg1"/>
-                </a:solidFill>
-                <a:latin typeface="Arial Black" panose="020B0A04020102020204" pitchFamily="34" charset="0"/>
-              </a:rPr>
-              <a:t>Diagrama de atividades</a:t>
-            </a:r>
-          </a:p>
-        </p:txBody>
-      </p:sp>
-      <p:pic>
-        <p:nvPicPr>
-          <p:cNvPr id="6146" name="Picture 2" descr="Exemplo_01_02">
-            <a:extLst>
-              <a:ext uri="{FF2B5EF4-FFF2-40B4-BE49-F238E27FC236}">
-                <a16:creationId xmlns:a16="http://schemas.microsoft.com/office/drawing/2014/main" id="{91041D79-372C-4154-826C-A425F324B78D}"/>
-              </a:ext>
-            </a:extLst>
-          </p:cNvPr>
-          <p:cNvPicPr>
-            <a:picLocks noChangeAspect="1" noChangeArrowheads="1"/>
-          </p:cNvPicPr>
-          <p:nvPr/>
-        </p:nvPicPr>
-        <p:blipFill>
-          <a:blip r:embed="rId2">
-            <a:extLst>
-              <a:ext uri="{28A0092B-C50C-407E-A947-70E740481C1C}">
-                <a14:useLocalDpi xmlns:a14="http://schemas.microsoft.com/office/drawing/2010/main" val="0"/>
-              </a:ext>
-            </a:extLst>
-          </a:blip>
-          <a:srcRect/>
-          <a:stretch>
-            <a:fillRect/>
-          </a:stretch>
-        </p:blipFill>
-        <p:spPr bwMode="auto">
-          <a:xfrm>
-            <a:off x="2427076" y="2819837"/>
-            <a:ext cx="7337847" cy="2808312"/>
-          </a:xfrm>
-          <a:prstGeom prst="rect">
-            <a:avLst/>
-          </a:prstGeom>
-          <a:noFill/>
-          <a:extLst>
-            <a:ext uri="{909E8E84-426E-40DD-AFC4-6F175D3DCCD1}">
-              <a14:hiddenFill xmlns:a14="http://schemas.microsoft.com/office/drawing/2010/main">
-                <a:solidFill>
-                  <a:srgbClr val="FFFFFF"/>
-                </a:solidFill>
-              </a14:hiddenFill>
-            </a:ext>
-          </a:extLst>
-        </p:spPr>
-      </p:pic>
-    </p:spTree>
-    <p:extLst>
-      <p:ext uri="{BB962C8B-B14F-4D97-AF65-F5344CB8AC3E}">
-        <p14:creationId xmlns:p14="http://schemas.microsoft.com/office/powerpoint/2010/main" val="2969111926"/>
-      </p:ext>
-    </p:extLst>
-  </p:cSld>
-  <p:clrMapOvr>
-    <a:masterClrMapping/>
-  </p:clrMapOvr>
-</p:sld>
-</file>
-
-<file path=ppt/slides/slide12.xml><?xml version="1.0" encoding="utf-8"?>
-<p:sld xmlns:a="http://schemas.openxmlformats.org/drawingml/2006/main" xmlns:r="http://schemas.openxmlformats.org/officeDocument/2006/relationships" xmlns:p="http://schemas.openxmlformats.org/presentationml/2006/main">
-  <p:cSld>
-    <p:spTree>
-      <p:nvGrpSpPr>
-        <p:cNvPr id="1" name=""/>
-        <p:cNvGrpSpPr/>
-        <p:nvPr/>
-      </p:nvGrpSpPr>
-      <p:grpSpPr>
-        <a:xfrm>
-          <a:off x="0" y="0"/>
-          <a:ext cx="0" cy="0"/>
-          <a:chOff x="0" y="0"/>
-          <a:chExt cx="0" cy="0"/>
-        </a:xfrm>
-      </p:grpSpPr>
-      <p:sp>
-        <p:nvSpPr>
-          <p:cNvPr id="2" name="CaixaDeTexto 1"/>
-          <p:cNvSpPr txBox="1"/>
-          <p:nvPr/>
-        </p:nvSpPr>
-        <p:spPr>
-          <a:xfrm>
-            <a:off x="-28022" y="1229851"/>
-            <a:ext cx="12192000" cy="830997"/>
-          </a:xfrm>
-          <a:prstGeom prst="rect">
-            <a:avLst/>
-          </a:prstGeom>
-          <a:noFill/>
-        </p:spPr>
-        <p:txBody>
-          <a:bodyPr wrap="square" rtlCol="0">
-            <a:spAutoFit/>
-          </a:bodyPr>
-          <a:lstStyle/>
-          <a:p>
-            <a:pPr algn="ctr"/>
-            <a:r>
-              <a:rPr lang="pt-BR" sz="4800" dirty="0">
-                <a:solidFill>
-                  <a:schemeClr val="bg1"/>
-                </a:solidFill>
-                <a:latin typeface="Arial Black" panose="020B0A04020102020204" pitchFamily="34" charset="0"/>
-              </a:rPr>
-              <a:t>Diagrama de sequencia</a:t>
-            </a:r>
-          </a:p>
-        </p:txBody>
-      </p:sp>
-      <p:pic>
-        <p:nvPicPr>
-          <p:cNvPr id="5122" name="Picture 2" descr="Resultado de imagem para diagrama de sequencia simples">
-            <a:extLst>
-              <a:ext uri="{FF2B5EF4-FFF2-40B4-BE49-F238E27FC236}">
-                <a16:creationId xmlns:a16="http://schemas.microsoft.com/office/drawing/2014/main" id="{6EDD82F6-0E12-4467-B3BB-367DC0E65604}"/>
-              </a:ext>
-            </a:extLst>
-          </p:cNvPr>
-          <p:cNvPicPr>
-            <a:picLocks noChangeAspect="1" noChangeArrowheads="1"/>
-          </p:cNvPicPr>
-          <p:nvPr/>
-        </p:nvPicPr>
-        <p:blipFill>
-          <a:blip r:embed="rId2">
-            <a:extLst>
-              <a:ext uri="{28A0092B-C50C-407E-A947-70E740481C1C}">
-                <a14:useLocalDpi xmlns:a14="http://schemas.microsoft.com/office/drawing/2010/main" val="0"/>
-              </a:ext>
-            </a:extLst>
-          </a:blip>
-          <a:srcRect/>
-          <a:stretch>
-            <a:fillRect/>
-          </a:stretch>
-        </p:blipFill>
-        <p:spPr bwMode="auto">
-          <a:xfrm>
-            <a:off x="2077003" y="2636912"/>
-            <a:ext cx="7981950" cy="3448050"/>
-          </a:xfrm>
-          <a:prstGeom prst="rect">
-            <a:avLst/>
-          </a:prstGeom>
-          <a:noFill/>
-          <a:extLst>
-            <a:ext uri="{909E8E84-426E-40DD-AFC4-6F175D3DCCD1}">
-              <a14:hiddenFill xmlns:a14="http://schemas.microsoft.com/office/drawing/2010/main">
-                <a:solidFill>
-                  <a:srgbClr val="FFFFFF"/>
-                </a:solidFill>
-              </a14:hiddenFill>
-            </a:ext>
-          </a:extLst>
-        </p:spPr>
-      </p:pic>
-    </p:spTree>
-    <p:extLst>
-      <p:ext uri="{BB962C8B-B14F-4D97-AF65-F5344CB8AC3E}">
-        <p14:creationId xmlns:p14="http://schemas.microsoft.com/office/powerpoint/2010/main" val="508831057"/>
-      </p:ext>
-    </p:extLst>
-  </p:cSld>
-  <p:clrMapOvr>
-    <a:masterClrMapping/>
-  </p:clrMapOvr>
-</p:sld>
-</file>
-
-<file path=ppt/slides/slide13.xml><?xml version="1.0" encoding="utf-8"?>
-<p:sld xmlns:a="http://schemas.openxmlformats.org/drawingml/2006/main" xmlns:r="http://schemas.openxmlformats.org/officeDocument/2006/relationships" xmlns:p="http://schemas.openxmlformats.org/presentationml/2006/main">
-  <p:cSld>
-    <p:spTree>
-      <p:nvGrpSpPr>
-        <p:cNvPr id="1" name=""/>
-        <p:cNvGrpSpPr/>
-        <p:nvPr/>
-      </p:nvGrpSpPr>
-      <p:grpSpPr>
-        <a:xfrm>
-          <a:off x="0" y="0"/>
-          <a:ext cx="0" cy="0"/>
-          <a:chOff x="0" y="0"/>
-          <a:chExt cx="0" cy="0"/>
-        </a:xfrm>
-      </p:grpSpPr>
-      <p:sp>
-        <p:nvSpPr>
-          <p:cNvPr id="2" name="CaixaDeTexto 1"/>
-          <p:cNvSpPr txBox="1"/>
-          <p:nvPr/>
-        </p:nvSpPr>
-        <p:spPr>
-          <a:xfrm>
-            <a:off x="-28022" y="1229851"/>
-            <a:ext cx="12192000" cy="830997"/>
-          </a:xfrm>
-          <a:prstGeom prst="rect">
-            <a:avLst/>
-          </a:prstGeom>
-          <a:noFill/>
-        </p:spPr>
-        <p:txBody>
-          <a:bodyPr wrap="square" rtlCol="0">
-            <a:spAutoFit/>
-          </a:bodyPr>
-          <a:lstStyle/>
-          <a:p>
-            <a:pPr algn="ctr"/>
-            <a:r>
-              <a:rPr lang="pt-BR" sz="4800" dirty="0">
-                <a:solidFill>
-                  <a:schemeClr val="bg1"/>
-                </a:solidFill>
-                <a:latin typeface="Arial Black" panose="020B0A04020102020204" pitchFamily="34" charset="0"/>
-              </a:rPr>
-              <a:t>Modelagem do banco de dados</a:t>
-            </a:r>
-          </a:p>
-        </p:txBody>
-      </p:sp>
-      <p:pic>
-        <p:nvPicPr>
-          <p:cNvPr id="4" name="Imagem 3" descr="Tela de celular com texto preto sobre fundo branco&#10;&#10;Descrição gerada automaticamente">
-            <a:extLst>
-              <a:ext uri="{FF2B5EF4-FFF2-40B4-BE49-F238E27FC236}">
-                <a16:creationId xmlns:a16="http://schemas.microsoft.com/office/drawing/2014/main" id="{24D3B9A5-40CF-4DE6-B6D2-B466BE7BDBF7}"/>
-              </a:ext>
-            </a:extLst>
-          </p:cNvPr>
-          <p:cNvPicPr>
-            <a:picLocks noChangeAspect="1"/>
-          </p:cNvPicPr>
-          <p:nvPr/>
-        </p:nvPicPr>
-        <p:blipFill>
-          <a:blip r:embed="rId2">
-            <a:extLst>
-              <a:ext uri="{28A0092B-C50C-407E-A947-70E740481C1C}">
-                <a14:useLocalDpi xmlns:a14="http://schemas.microsoft.com/office/drawing/2010/main" val="0"/>
-              </a:ext>
-            </a:extLst>
-          </a:blip>
-          <a:stretch>
-            <a:fillRect/>
-          </a:stretch>
-        </p:blipFill>
-        <p:spPr>
-          <a:xfrm>
-            <a:off x="4391025" y="3429000"/>
-            <a:ext cx="3409950" cy="1314450"/>
-          </a:xfrm>
-          <a:prstGeom prst="rect">
-            <a:avLst/>
-          </a:prstGeom>
-        </p:spPr>
-      </p:pic>
-    </p:spTree>
-    <p:extLst>
-      <p:ext uri="{BB962C8B-B14F-4D97-AF65-F5344CB8AC3E}">
-        <p14:creationId xmlns:p14="http://schemas.microsoft.com/office/powerpoint/2010/main" val="3841691430"/>
-      </p:ext>
-    </p:extLst>
-  </p:cSld>
-  <p:clrMapOvr>
-    <a:masterClrMapping/>
-  </p:clrMapOvr>
-</p:sld>
-</file>
-
-<file path=ppt/slides/slide14.xml><?xml version="1.0" encoding="utf-8"?>
-<p:sld xmlns:a="http://schemas.openxmlformats.org/drawingml/2006/main" xmlns:r="http://schemas.openxmlformats.org/officeDocument/2006/relationships" xmlns:p="http://schemas.openxmlformats.org/presentationml/2006/main">
-  <p:cSld>
-    <p:spTree>
-      <p:nvGrpSpPr>
-        <p:cNvPr id="1" name=""/>
-        <p:cNvGrpSpPr/>
-        <p:nvPr/>
-      </p:nvGrpSpPr>
-      <p:grpSpPr>
-        <a:xfrm>
-          <a:off x="0" y="0"/>
-          <a:ext cx="0" cy="0"/>
-          <a:chOff x="0" y="0"/>
-          <a:chExt cx="0" cy="0"/>
-        </a:xfrm>
-      </p:grpSpPr>
-      <p:sp>
-        <p:nvSpPr>
-          <p:cNvPr id="2" name="CaixaDeTexto 1"/>
-          <p:cNvSpPr txBox="1"/>
-          <p:nvPr/>
-        </p:nvSpPr>
-        <p:spPr>
-          <a:xfrm>
-            <a:off x="-28022" y="1229851"/>
-            <a:ext cx="12192000" cy="830997"/>
-          </a:xfrm>
-          <a:prstGeom prst="rect">
-            <a:avLst/>
-          </a:prstGeom>
-          <a:noFill/>
-        </p:spPr>
-        <p:txBody>
-          <a:bodyPr wrap="square" rtlCol="0">
-            <a:spAutoFit/>
-          </a:bodyPr>
-          <a:lstStyle/>
-          <a:p>
-            <a:pPr algn="ctr"/>
-            <a:r>
-              <a:rPr lang="pt-BR" sz="4800" dirty="0">
-                <a:solidFill>
-                  <a:schemeClr val="bg1"/>
-                </a:solidFill>
-                <a:latin typeface="Arial Black" panose="020B0A04020102020204" pitchFamily="34" charset="0"/>
-              </a:rPr>
-              <a:t>Protótipo de telas</a:t>
-            </a:r>
-          </a:p>
-        </p:txBody>
-      </p:sp>
-      <p:sp>
-        <p:nvSpPr>
-          <p:cNvPr id="3" name="CaixaDeTexto 2">
-            <a:extLst>
-              <a:ext uri="{FF2B5EF4-FFF2-40B4-BE49-F238E27FC236}">
-                <a16:creationId xmlns:a16="http://schemas.microsoft.com/office/drawing/2014/main" id="{572B9FC9-378A-4120-8D0B-8DFAA332054B}"/>
-              </a:ext>
-            </a:extLst>
-          </p:cNvPr>
-          <p:cNvSpPr txBox="1"/>
-          <p:nvPr/>
-        </p:nvSpPr>
-        <p:spPr>
-          <a:xfrm>
-            <a:off x="0" y="2924944"/>
-            <a:ext cx="12192000" cy="830997"/>
-          </a:xfrm>
-          <a:prstGeom prst="rect">
-            <a:avLst/>
-          </a:prstGeom>
-          <a:noFill/>
-        </p:spPr>
-        <p:txBody>
-          <a:bodyPr wrap="square" rtlCol="0">
-            <a:spAutoFit/>
-          </a:bodyPr>
-          <a:lstStyle/>
-          <a:p>
-            <a:pPr algn="ctr"/>
-            <a:r>
-              <a:rPr lang="pt-BR" sz="4800" dirty="0">
-                <a:solidFill>
-                  <a:srgbClr val="FF0000"/>
-                </a:solidFill>
-                <a:latin typeface="Arial Black" panose="020B0A04020102020204" pitchFamily="34" charset="0"/>
-              </a:rPr>
-              <a:t>Link para o protótipo</a:t>
-            </a:r>
-          </a:p>
-        </p:txBody>
-      </p:sp>
-    </p:spTree>
-    <p:extLst>
-      <p:ext uri="{BB962C8B-B14F-4D97-AF65-F5344CB8AC3E}">
-        <p14:creationId xmlns:p14="http://schemas.microsoft.com/office/powerpoint/2010/main" val="739531823"/>
-      </p:ext>
-    </p:extLst>
-  </p:cSld>
-  <p:clrMapOvr>
-    <a:masterClrMapping/>
-  </p:clrMapOvr>
-</p:sld>
-</file>
-
-<file path=ppt/slides/slide15.xml><?xml version="1.0" encoding="utf-8"?>
-<p:sld xmlns:a="http://schemas.openxmlformats.org/drawingml/2006/main" xmlns:r="http://schemas.openxmlformats.org/officeDocument/2006/relationships" xmlns:p="http://schemas.openxmlformats.org/presentationml/2006/main">
-  <p:cSld>
-    <p:spTree>
-      <p:nvGrpSpPr>
-        <p:cNvPr id="1" name=""/>
-        <p:cNvGrpSpPr/>
-        <p:nvPr/>
-      </p:nvGrpSpPr>
-      <p:grpSpPr>
-        <a:xfrm>
-          <a:off x="0" y="0"/>
-          <a:ext cx="0" cy="0"/>
-          <a:chOff x="0" y="0"/>
-          <a:chExt cx="0" cy="0"/>
-        </a:xfrm>
-      </p:grpSpPr>
-      <p:sp>
-        <p:nvSpPr>
-          <p:cNvPr id="2" name="CaixaDeTexto 1"/>
-          <p:cNvSpPr txBox="1"/>
-          <p:nvPr/>
-        </p:nvSpPr>
-        <p:spPr>
-          <a:xfrm>
-            <a:off x="0" y="3013501"/>
-            <a:ext cx="12192000" cy="830997"/>
-          </a:xfrm>
-          <a:prstGeom prst="rect">
-            <a:avLst/>
-          </a:prstGeom>
-          <a:noFill/>
-        </p:spPr>
-        <p:txBody>
-          <a:bodyPr wrap="square" rtlCol="0">
-            <a:spAutoFit/>
-          </a:bodyPr>
-          <a:lstStyle/>
-          <a:p>
-            <a:pPr algn="ctr"/>
-            <a:r>
-              <a:rPr lang="pt-BR" sz="4800" dirty="0">
-                <a:solidFill>
-                  <a:schemeClr val="bg1"/>
-                </a:solidFill>
-                <a:latin typeface="Arial Black" panose="020B0A04020102020204" pitchFamily="34" charset="0"/>
-              </a:rPr>
-              <a:t>Agradecimentos</a:t>
-            </a:r>
-          </a:p>
-        </p:txBody>
-      </p:sp>
-    </p:spTree>
-    <p:extLst>
-      <p:ext uri="{BB962C8B-B14F-4D97-AF65-F5344CB8AC3E}">
-        <p14:creationId xmlns:p14="http://schemas.microsoft.com/office/powerpoint/2010/main" val="3472243838"/>
-      </p:ext>
-    </p:extLst>
-  </p:cSld>
-  <p:clrMapOvr>
-    <a:masterClrMapping/>
-  </p:clrMapOvr>
-</p:sld>
-</file>
-
 <file path=ppt/slides/slide2.xml><?xml version="1.0" encoding="utf-8"?>
 <p:sld xmlns:a="http://schemas.openxmlformats.org/drawingml/2006/main" xmlns:r="http://schemas.openxmlformats.org/officeDocument/2006/relationships" xmlns:p="http://schemas.openxmlformats.org/presentationml/2006/main">
   <p:cSld>
@@ -2190,45 +1575,56 @@
                 </a:solidFill>
                 <a:latin typeface="Arial Black" panose="020B0A04020102020204" pitchFamily="34" charset="0"/>
               </a:rPr>
-              <a:t>Requisitos não funcionais</a:t>
+              <a:t>Link para o sistema</a:t>
             </a:r>
           </a:p>
         </p:txBody>
       </p:sp>
-      <p:pic>
-        <p:nvPicPr>
-          <p:cNvPr id="3" name="Imagem 2">
+      <p:sp>
+        <p:nvSpPr>
+          <p:cNvPr id="3" name="CaixaDeTexto 2">
             <a:extLst>
               <a:ext uri="{FF2B5EF4-FFF2-40B4-BE49-F238E27FC236}">
-                <a16:creationId xmlns:a16="http://schemas.microsoft.com/office/drawing/2014/main" id="{EDE576C2-5FFB-44FD-8912-99702CF238CD}"/>
+                <a16:creationId xmlns:a16="http://schemas.microsoft.com/office/drawing/2014/main" id="{572B9FC9-378A-4120-8D0B-8DFAA332054B}"/>
               </a:ext>
             </a:extLst>
           </p:cNvPr>
-          <p:cNvPicPr>
-            <a:picLocks noChangeAspect="1"/>
-          </p:cNvPicPr>
+          <p:cNvSpPr txBox="1"/>
           <p:nvPr/>
-        </p:nvPicPr>
-        <p:blipFill>
-          <a:blip r:embed="rId2"/>
-          <a:stretch>
-            <a:fillRect/>
-          </a:stretch>
-        </p:blipFill>
-        <p:spPr>
-          <a:xfrm>
-            <a:off x="2709862" y="2276872"/>
-            <a:ext cx="6772275" cy="4181475"/>
-          </a:xfrm>
-          <a:prstGeom prst="rect">
-            <a:avLst/>
-          </a:prstGeom>
-        </p:spPr>
-      </p:pic>
+        </p:nvSpPr>
+        <p:spPr>
+          <a:xfrm>
+            <a:off x="0" y="2924944"/>
+            <a:ext cx="12192000" cy="830997"/>
+          </a:xfrm>
+          <a:prstGeom prst="rect">
+            <a:avLst/>
+          </a:prstGeom>
+          <a:noFill/>
+        </p:spPr>
+        <p:txBody>
+          <a:bodyPr wrap="square" rtlCol="0">
+            <a:spAutoFit/>
+          </a:bodyPr>
+          <a:lstStyle/>
+          <a:p>
+            <a:pPr algn="ctr"/>
+            <a:r>
+              <a:rPr lang="pt-BR" sz="4800" dirty="0">
+                <a:solidFill>
+                  <a:srgbClr val="FF0000"/>
+                </a:solidFill>
+                <a:latin typeface="Arial Black" panose="020B0A04020102020204" pitchFamily="34" charset="0"/>
+              </a:rPr>
+              <a:t>Link para o sistema</a:t>
+            </a:r>
+          </a:p>
+        </p:txBody>
+      </p:sp>
     </p:spTree>
     <p:extLst>
       <p:ext uri="{BB962C8B-B14F-4D97-AF65-F5344CB8AC3E}">
-        <p14:creationId xmlns:p14="http://schemas.microsoft.com/office/powerpoint/2010/main" val="3122532076"/>
+        <p14:creationId xmlns:p14="http://schemas.microsoft.com/office/powerpoint/2010/main" val="739531823"/>
       </p:ext>
     </p:extLst>
   </p:cSld>
@@ -2263,7 +1659,7 @@
         </p:nvSpPr>
         <p:spPr>
           <a:xfrm>
-            <a:off x="-28022" y="1229851"/>
+            <a:off x="0" y="3013501"/>
             <a:ext cx="12192000" cy="830997"/>
           </a:xfrm>
           <a:prstGeom prst="rect">
@@ -2285,187 +1681,15 @@
                 </a:solidFill>
                 <a:latin typeface="Arial Black" panose="020B0A04020102020204" pitchFamily="34" charset="0"/>
               </a:rPr>
-              <a:t>Diagrama de casos de uso</a:t>
+              <a:t>Agradecimentos</a:t>
             </a:r>
           </a:p>
         </p:txBody>
       </p:sp>
-      <p:pic>
-        <p:nvPicPr>
-          <p:cNvPr id="9218" name="Picture 2" descr="Resultado de imagem para diagrama de casos de uso notaçao">
-            <a:extLst>
-              <a:ext uri="{FF2B5EF4-FFF2-40B4-BE49-F238E27FC236}">
-                <a16:creationId xmlns:a16="http://schemas.microsoft.com/office/drawing/2014/main" id="{A2D10499-CF6E-4D0B-9652-DAF8391C0117}"/>
-              </a:ext>
-            </a:extLst>
-          </p:cNvPr>
-          <p:cNvPicPr>
-            <a:picLocks noChangeAspect="1" noChangeArrowheads="1"/>
-          </p:cNvPicPr>
-          <p:nvPr/>
-        </p:nvPicPr>
-        <p:blipFill>
-          <a:blip r:embed="rId2">
-            <a:extLst>
-              <a:ext uri="{28A0092B-C50C-407E-A947-70E740481C1C}">
-                <a14:useLocalDpi xmlns:a14="http://schemas.microsoft.com/office/drawing/2010/main" val="0"/>
-              </a:ext>
-            </a:extLst>
-          </a:blip>
-          <a:srcRect/>
-          <a:stretch>
-            <a:fillRect/>
-          </a:stretch>
-        </p:blipFill>
-        <p:spPr bwMode="auto">
-          <a:xfrm>
-            <a:off x="2431574" y="2996952"/>
-            <a:ext cx="7272808" cy="2397183"/>
-          </a:xfrm>
-          <a:prstGeom prst="rect">
-            <a:avLst/>
-          </a:prstGeom>
-          <a:noFill/>
-          <a:extLst>
-            <a:ext uri="{909E8E84-426E-40DD-AFC4-6F175D3DCCD1}">
-              <a14:hiddenFill xmlns:a14="http://schemas.microsoft.com/office/drawing/2010/main">
-                <a:solidFill>
-                  <a:srgbClr val="FFFFFF"/>
-                </a:solidFill>
-              </a14:hiddenFill>
-            </a:ext>
-          </a:extLst>
-        </p:spPr>
-      </p:pic>
     </p:spTree>
     <p:extLst>
       <p:ext uri="{BB962C8B-B14F-4D97-AF65-F5344CB8AC3E}">
-        <p14:creationId xmlns:p14="http://schemas.microsoft.com/office/powerpoint/2010/main" val="359646013"/>
-      </p:ext>
-    </p:extLst>
-  </p:cSld>
-  <p:clrMapOvr>
-    <a:masterClrMapping/>
-  </p:clrMapOvr>
-</p:sld>
-</file>
-
-<file path=ppt/slides/slide9.xml><?xml version="1.0" encoding="utf-8"?>
-<p:sld xmlns:a="http://schemas.openxmlformats.org/drawingml/2006/main" xmlns:r="http://schemas.openxmlformats.org/officeDocument/2006/relationships" xmlns:p="http://schemas.openxmlformats.org/presentationml/2006/main">
-  <p:cSld>
-    <p:spTree>
-      <p:nvGrpSpPr>
-        <p:cNvPr id="1" name=""/>
-        <p:cNvGrpSpPr/>
-        <p:nvPr/>
-      </p:nvGrpSpPr>
-      <p:grpSpPr>
-        <a:xfrm>
-          <a:off x="0" y="0"/>
-          <a:ext cx="0" cy="0"/>
-          <a:chOff x="0" y="0"/>
-          <a:chExt cx="0" cy="0"/>
-        </a:xfrm>
-      </p:grpSpPr>
-      <p:sp>
-        <p:nvSpPr>
-          <p:cNvPr id="2" name="CaixaDeTexto 1"/>
-          <p:cNvSpPr txBox="1"/>
-          <p:nvPr/>
-        </p:nvSpPr>
-        <p:spPr>
-          <a:xfrm>
-            <a:off x="-28022" y="1229851"/>
-            <a:ext cx="12192000" cy="830997"/>
-          </a:xfrm>
-          <a:prstGeom prst="rect">
-            <a:avLst/>
-          </a:prstGeom>
-          <a:noFill/>
-        </p:spPr>
-        <p:txBody>
-          <a:bodyPr wrap="square" rtlCol="0">
-            <a:spAutoFit/>
-          </a:bodyPr>
-          <a:lstStyle/>
-          <a:p>
-            <a:pPr algn="ctr"/>
-            <a:r>
-              <a:rPr lang="pt-BR" sz="4800" dirty="0">
-                <a:solidFill>
-                  <a:schemeClr val="bg1"/>
-                </a:solidFill>
-                <a:latin typeface="Arial Black" panose="020B0A04020102020204" pitchFamily="34" charset="0"/>
-              </a:rPr>
-              <a:t>Especificação de casos de uso</a:t>
-            </a:r>
-          </a:p>
-        </p:txBody>
-      </p:sp>
-      <p:pic>
-        <p:nvPicPr>
-          <p:cNvPr id="3" name="Imagem 2">
-            <a:extLst>
-              <a:ext uri="{FF2B5EF4-FFF2-40B4-BE49-F238E27FC236}">
-                <a16:creationId xmlns:a16="http://schemas.microsoft.com/office/drawing/2014/main" id="{BC284344-0329-4050-A8AF-E792B054408D}"/>
-              </a:ext>
-            </a:extLst>
-          </p:cNvPr>
-          <p:cNvPicPr>
-            <a:picLocks noChangeAspect="1"/>
-          </p:cNvPicPr>
-          <p:nvPr/>
-        </p:nvPicPr>
-        <p:blipFill>
-          <a:blip r:embed="rId2"/>
-          <a:stretch>
-            <a:fillRect/>
-          </a:stretch>
-        </p:blipFill>
-        <p:spPr>
-          <a:xfrm>
-            <a:off x="1127448" y="2060848"/>
-            <a:ext cx="4512554" cy="4678882"/>
-          </a:xfrm>
-          <a:prstGeom prst="rect">
-            <a:avLst/>
-          </a:prstGeom>
-        </p:spPr>
-      </p:pic>
-      <p:pic>
-        <p:nvPicPr>
-          <p:cNvPr id="4" name="Imagem 3">
-            <a:extLst>
-              <a:ext uri="{FF2B5EF4-FFF2-40B4-BE49-F238E27FC236}">
-                <a16:creationId xmlns:a16="http://schemas.microsoft.com/office/drawing/2014/main" id="{8B4EAB74-1B85-457F-9C57-F4C2963EC782}"/>
-              </a:ext>
-            </a:extLst>
-          </p:cNvPr>
-          <p:cNvPicPr>
-            <a:picLocks noChangeAspect="1"/>
-          </p:cNvPicPr>
-          <p:nvPr/>
-        </p:nvPicPr>
-        <p:blipFill>
-          <a:blip r:embed="rId2"/>
-          <a:stretch>
-            <a:fillRect/>
-          </a:stretch>
-        </p:blipFill>
-        <p:spPr>
-          <a:xfrm>
-            <a:off x="6456040" y="2060848"/>
-            <a:ext cx="4512554" cy="4678882"/>
-          </a:xfrm>
-          <a:prstGeom prst="rect">
-            <a:avLst/>
-          </a:prstGeom>
-        </p:spPr>
-      </p:pic>
-    </p:spTree>
-    <p:extLst>
-      <p:ext uri="{BB962C8B-B14F-4D97-AF65-F5344CB8AC3E}">
-        <p14:creationId xmlns:p14="http://schemas.microsoft.com/office/powerpoint/2010/main" val="2391840148"/>
+        <p14:creationId xmlns:p14="http://schemas.microsoft.com/office/powerpoint/2010/main" val="3472243838"/>
       </p:ext>
     </p:extLst>
   </p:cSld>

--- a/modelo-apresentacao-CSI-PF.pptx
+++ b/modelo-apresentacao-CSI-PF.pptx
@@ -1280,241 +1280,379 @@
           </a:p>
         </p:txBody>
       </p:sp>
-      <p:pic>
-        <p:nvPicPr>
-          <p:cNvPr id="11266" name="Picture 2">
+      <p:sp>
+        <p:nvSpPr>
+          <p:cNvPr id="8" name="Subtítulo 2">
             <a:extLst>
               <a:ext uri="{FF2B5EF4-FFF2-40B4-BE49-F238E27FC236}">
-                <a16:creationId xmlns:a16="http://schemas.microsoft.com/office/drawing/2014/main" id="{302F83B9-2E94-4937-AE6F-E8F43E215C18}"/>
+                <a16:creationId xmlns:a16="http://schemas.microsoft.com/office/drawing/2014/main" id="{FAF3DF56-BA8F-4993-8CAF-20100AAF5536}"/>
               </a:ext>
             </a:extLst>
           </p:cNvPr>
-          <p:cNvPicPr>
-            <a:picLocks noChangeAspect="1" noChangeArrowheads="1"/>
-          </p:cNvPicPr>
+          <p:cNvSpPr txBox="1">
+            <a:spLocks/>
+          </p:cNvSpPr>
           <p:nvPr/>
-        </p:nvPicPr>
-        <p:blipFill>
-          <a:blip r:embed="rId2" cstate="print">
-            <a:extLst>
-              <a:ext uri="{28A0092B-C50C-407E-A947-70E740481C1C}">
-                <a14:useLocalDpi xmlns:a14="http://schemas.microsoft.com/office/drawing/2010/main" val="0"/>
-              </a:ext>
-            </a:extLst>
-          </a:blip>
-          <a:srcRect/>
-          <a:stretch>
-            <a:fillRect/>
-          </a:stretch>
-        </p:blipFill>
-        <p:spPr bwMode="auto">
-          <a:xfrm>
-            <a:off x="695400" y="2812451"/>
-            <a:ext cx="4968552" cy="3962368"/>
-          </a:xfrm>
-          <a:prstGeom prst="rect">
-            <a:avLst/>
-          </a:prstGeom>
-          <a:noFill/>
-          <a:extLst>
-            <a:ext uri="{909E8E84-426E-40DD-AFC4-6F175D3DCCD1}">
-              <a14:hiddenFill xmlns:a14="http://schemas.microsoft.com/office/drawing/2010/main">
-                <a:solidFill>
-                  <a:srgbClr val="FFFFFF"/>
-                </a:solidFill>
-              </a14:hiddenFill>
-            </a:ext>
-          </a:extLst>
-        </p:spPr>
-      </p:pic>
-      <p:pic>
-        <p:nvPicPr>
-          <p:cNvPr id="11268" name="Picture 4">
-            <a:extLst>
-              <a:ext uri="{FF2B5EF4-FFF2-40B4-BE49-F238E27FC236}">
-                <a16:creationId xmlns:a16="http://schemas.microsoft.com/office/drawing/2014/main" id="{152C4CD2-185D-44C4-84A7-FF61060B7561}"/>
-              </a:ext>
-            </a:extLst>
-          </p:cNvPr>
-          <p:cNvPicPr>
-            <a:picLocks noChangeAspect="1" noChangeArrowheads="1"/>
-          </p:cNvPicPr>
-          <p:nvPr/>
-        </p:nvPicPr>
-        <p:blipFill>
-          <a:blip r:embed="rId3">
-            <a:extLst>
-              <a:ext uri="{28A0092B-C50C-407E-A947-70E740481C1C}">
-                <a14:useLocalDpi xmlns:a14="http://schemas.microsoft.com/office/drawing/2010/main" val="0"/>
-              </a:ext>
-            </a:extLst>
-          </a:blip>
-          <a:srcRect/>
-          <a:stretch>
-            <a:fillRect/>
-          </a:stretch>
-        </p:blipFill>
-        <p:spPr bwMode="auto">
-          <a:xfrm>
-            <a:off x="8280790" y="4030242"/>
-            <a:ext cx="2808312" cy="1148855"/>
-          </a:xfrm>
-          <a:prstGeom prst="rect">
-            <a:avLst/>
-          </a:prstGeom>
-          <a:noFill/>
-          <a:extLst>
-            <a:ext uri="{909E8E84-426E-40DD-AFC4-6F175D3DCCD1}">
-              <a14:hiddenFill xmlns:a14="http://schemas.microsoft.com/office/drawing/2010/main">
-                <a:solidFill>
-                  <a:srgbClr val="FFFFFF"/>
-                </a:solidFill>
-              </a14:hiddenFill>
-            </a:ext>
-          </a:extLst>
-        </p:spPr>
-      </p:pic>
-      <p:pic>
-        <p:nvPicPr>
-          <p:cNvPr id="11270" name="Picture 6">
-            <a:extLst>
-              <a:ext uri="{FF2B5EF4-FFF2-40B4-BE49-F238E27FC236}">
-                <a16:creationId xmlns:a16="http://schemas.microsoft.com/office/drawing/2014/main" id="{9D6E71F5-371F-4C38-92F9-A8104C2CA4FF}"/>
-              </a:ext>
-            </a:extLst>
-          </p:cNvPr>
-          <p:cNvPicPr>
-            <a:picLocks noChangeAspect="1" noChangeArrowheads="1"/>
-          </p:cNvPicPr>
-          <p:nvPr/>
-        </p:nvPicPr>
-        <p:blipFill>
-          <a:blip r:embed="rId4">
-            <a:extLst>
-              <a:ext uri="{28A0092B-C50C-407E-A947-70E740481C1C}">
-                <a14:useLocalDpi xmlns:a14="http://schemas.microsoft.com/office/drawing/2010/main" val="0"/>
-              </a:ext>
-            </a:extLst>
-          </a:blip>
-          <a:srcRect/>
-          <a:stretch>
-            <a:fillRect/>
-          </a:stretch>
-        </p:blipFill>
-        <p:spPr bwMode="auto">
-          <a:xfrm>
-            <a:off x="7341096" y="5231860"/>
-            <a:ext cx="3429002" cy="1524001"/>
-          </a:xfrm>
-          <a:prstGeom prst="rect">
-            <a:avLst/>
-          </a:prstGeom>
-          <a:noFill/>
-          <a:extLst>
-            <a:ext uri="{909E8E84-426E-40DD-AFC4-6F175D3DCCD1}">
-              <a14:hiddenFill xmlns:a14="http://schemas.microsoft.com/office/drawing/2010/main">
-                <a:solidFill>
-                  <a:srgbClr val="FFFFFF"/>
-                </a:solidFill>
-              </a14:hiddenFill>
-            </a:ext>
-          </a:extLst>
-        </p:spPr>
-      </p:pic>
-      <p:pic>
-        <p:nvPicPr>
-          <p:cNvPr id="11272" name="Picture 8" descr="Resultado de imagem para uml logo">
-            <a:extLst>
-              <a:ext uri="{FF2B5EF4-FFF2-40B4-BE49-F238E27FC236}">
-                <a16:creationId xmlns:a16="http://schemas.microsoft.com/office/drawing/2014/main" id="{FE23FCDB-CB9F-497F-94C7-2859CFF64F8C}"/>
-              </a:ext>
-            </a:extLst>
-          </p:cNvPr>
-          <p:cNvPicPr>
-            <a:picLocks noChangeAspect="1" noChangeArrowheads="1"/>
-          </p:cNvPicPr>
-          <p:nvPr/>
-        </p:nvPicPr>
-        <p:blipFill>
-          <a:blip r:embed="rId5">
-            <a:extLst>
-              <a:ext uri="{28A0092B-C50C-407E-A947-70E740481C1C}">
-                <a14:useLocalDpi xmlns:a14="http://schemas.microsoft.com/office/drawing/2010/main" val="0"/>
-              </a:ext>
-            </a:extLst>
-          </a:blip>
-          <a:srcRect/>
-          <a:stretch>
-            <a:fillRect/>
-          </a:stretch>
-        </p:blipFill>
-        <p:spPr bwMode="auto">
-          <a:xfrm>
-            <a:off x="5913025" y="3024106"/>
-            <a:ext cx="2095500" cy="1524000"/>
-          </a:xfrm>
-          <a:prstGeom prst="rect">
-            <a:avLst/>
-          </a:prstGeom>
-          <a:noFill/>
-          <a:extLst>
-            <a:ext uri="{909E8E84-426E-40DD-AFC4-6F175D3DCCD1}">
-              <a14:hiddenFill xmlns:a14="http://schemas.microsoft.com/office/drawing/2010/main">
-                <a:solidFill>
-                  <a:srgbClr val="FFFFFF"/>
-                </a:solidFill>
-              </a14:hiddenFill>
-            </a:ext>
-          </a:extLst>
-        </p:spPr>
-      </p:pic>
-      <p:pic>
-        <p:nvPicPr>
-          <p:cNvPr id="11274" name="Picture 10" descr="Resultado de imagem para workbench logo">
-            <a:extLst>
-              <a:ext uri="{FF2B5EF4-FFF2-40B4-BE49-F238E27FC236}">
-                <a16:creationId xmlns:a16="http://schemas.microsoft.com/office/drawing/2014/main" id="{3F960DB7-0452-4ADD-8389-CB0421BA5030}"/>
-              </a:ext>
-            </a:extLst>
-          </p:cNvPr>
-          <p:cNvPicPr>
-            <a:picLocks noChangeAspect="1" noChangeArrowheads="1"/>
-          </p:cNvPicPr>
-          <p:nvPr/>
-        </p:nvPicPr>
-        <p:blipFill>
-          <a:blip r:embed="rId6">
-            <a:extLst>
-              <a:ext uri="{28A0092B-C50C-407E-A947-70E740481C1C}">
-                <a14:useLocalDpi xmlns:a14="http://schemas.microsoft.com/office/drawing/2010/main" val="0"/>
-              </a:ext>
-            </a:extLst>
-          </a:blip>
-          <a:srcRect/>
-          <a:stretch>
-            <a:fillRect/>
-          </a:stretch>
-        </p:blipFill>
-        <p:spPr bwMode="auto">
-          <a:xfrm>
-            <a:off x="8539852" y="2614612"/>
-            <a:ext cx="2809875" cy="1628775"/>
-          </a:xfrm>
-          <a:prstGeom prst="rect">
-            <a:avLst/>
-          </a:prstGeom>
-          <a:noFill/>
-          <a:extLst>
-            <a:ext uri="{909E8E84-426E-40DD-AFC4-6F175D3DCCD1}">
-              <a14:hiddenFill xmlns:a14="http://schemas.microsoft.com/office/drawing/2010/main">
-                <a:solidFill>
-                  <a:srgbClr val="FFFFFF"/>
-                </a:solidFill>
-              </a14:hiddenFill>
-            </a:ext>
-          </a:extLst>
-        </p:spPr>
-      </p:pic>
+        </p:nvSpPr>
+        <p:spPr>
+          <a:xfrm>
+            <a:off x="842273" y="2475479"/>
+            <a:ext cx="9144000" cy="1655762"/>
+          </a:xfrm>
+          <a:prstGeom prst="rect">
+            <a:avLst/>
+          </a:prstGeom>
+        </p:spPr>
+        <p:txBody>
+          <a:bodyPr>
+            <a:noAutofit/>
+          </a:bodyPr>
+          <a:lstStyle>
+            <a:lvl1pPr marL="228600" indent="-228600" algn="l" defTabSz="914400" rtl="0" eaLnBrk="1" latinLnBrk="0" hangingPunct="1">
+              <a:lnSpc>
+                <a:spcPct val="90000"/>
+              </a:lnSpc>
+              <a:spcBef>
+                <a:spcPts val="1000"/>
+              </a:spcBef>
+              <a:buFont typeface="Arial" panose="020B0604020202020204" pitchFamily="34" charset="0"/>
+              <a:buChar char="•"/>
+              <a:defRPr sz="2800" kern="1200">
+                <a:solidFill>
+                  <a:schemeClr val="tx1"/>
+                </a:solidFill>
+                <a:latin typeface="+mn-lt"/>
+                <a:ea typeface="+mn-ea"/>
+                <a:cs typeface="+mn-cs"/>
+              </a:defRPr>
+            </a:lvl1pPr>
+            <a:lvl2pPr marL="685800" indent="-228600" algn="l" defTabSz="914400" rtl="0" eaLnBrk="1" latinLnBrk="0" hangingPunct="1">
+              <a:lnSpc>
+                <a:spcPct val="90000"/>
+              </a:lnSpc>
+              <a:spcBef>
+                <a:spcPts val="500"/>
+              </a:spcBef>
+              <a:buFont typeface="Arial" panose="020B0604020202020204" pitchFamily="34" charset="0"/>
+              <a:buChar char="•"/>
+              <a:defRPr sz="2400" kern="1200">
+                <a:solidFill>
+                  <a:schemeClr val="tx1"/>
+                </a:solidFill>
+                <a:latin typeface="+mn-lt"/>
+                <a:ea typeface="+mn-ea"/>
+                <a:cs typeface="+mn-cs"/>
+              </a:defRPr>
+            </a:lvl2pPr>
+            <a:lvl3pPr marL="1143000" indent="-228600" algn="l" defTabSz="914400" rtl="0" eaLnBrk="1" latinLnBrk="0" hangingPunct="1">
+              <a:lnSpc>
+                <a:spcPct val="90000"/>
+              </a:lnSpc>
+              <a:spcBef>
+                <a:spcPts val="500"/>
+              </a:spcBef>
+              <a:buFont typeface="Arial" panose="020B0604020202020204" pitchFamily="34" charset="0"/>
+              <a:buChar char="•"/>
+              <a:defRPr sz="2000" kern="1200">
+                <a:solidFill>
+                  <a:schemeClr val="tx1"/>
+                </a:solidFill>
+                <a:latin typeface="+mn-lt"/>
+                <a:ea typeface="+mn-ea"/>
+                <a:cs typeface="+mn-cs"/>
+              </a:defRPr>
+            </a:lvl3pPr>
+            <a:lvl4pPr marL="1600200" indent="-228600" algn="l" defTabSz="914400" rtl="0" eaLnBrk="1" latinLnBrk="0" hangingPunct="1">
+              <a:lnSpc>
+                <a:spcPct val="90000"/>
+              </a:lnSpc>
+              <a:spcBef>
+                <a:spcPts val="500"/>
+              </a:spcBef>
+              <a:buFont typeface="Arial" panose="020B0604020202020204" pitchFamily="34" charset="0"/>
+              <a:buChar char="•"/>
+              <a:defRPr sz="1800" kern="1200">
+                <a:solidFill>
+                  <a:schemeClr val="tx1"/>
+                </a:solidFill>
+                <a:latin typeface="+mn-lt"/>
+                <a:ea typeface="+mn-ea"/>
+                <a:cs typeface="+mn-cs"/>
+              </a:defRPr>
+            </a:lvl4pPr>
+            <a:lvl5pPr marL="2057400" indent="-228600" algn="l" defTabSz="914400" rtl="0" eaLnBrk="1" latinLnBrk="0" hangingPunct="1">
+              <a:lnSpc>
+                <a:spcPct val="90000"/>
+              </a:lnSpc>
+              <a:spcBef>
+                <a:spcPts val="500"/>
+              </a:spcBef>
+              <a:buFont typeface="Arial" panose="020B0604020202020204" pitchFamily="34" charset="0"/>
+              <a:buChar char="•"/>
+              <a:defRPr sz="1800" kern="1200">
+                <a:solidFill>
+                  <a:schemeClr val="tx1"/>
+                </a:solidFill>
+                <a:latin typeface="+mn-lt"/>
+                <a:ea typeface="+mn-ea"/>
+                <a:cs typeface="+mn-cs"/>
+              </a:defRPr>
+            </a:lvl5pPr>
+            <a:lvl6pPr marL="2514600" indent="-228600" algn="l" defTabSz="914400" rtl="0" eaLnBrk="1" latinLnBrk="0" hangingPunct="1">
+              <a:lnSpc>
+                <a:spcPct val="90000"/>
+              </a:lnSpc>
+              <a:spcBef>
+                <a:spcPts val="500"/>
+              </a:spcBef>
+              <a:buFont typeface="Arial" panose="020B0604020202020204" pitchFamily="34" charset="0"/>
+              <a:buChar char="•"/>
+              <a:defRPr sz="1800" kern="1200">
+                <a:solidFill>
+                  <a:schemeClr val="tx1"/>
+                </a:solidFill>
+                <a:latin typeface="+mn-lt"/>
+                <a:ea typeface="+mn-ea"/>
+                <a:cs typeface="+mn-cs"/>
+              </a:defRPr>
+            </a:lvl6pPr>
+            <a:lvl7pPr marL="2971800" indent="-228600" algn="l" defTabSz="914400" rtl="0" eaLnBrk="1" latinLnBrk="0" hangingPunct="1">
+              <a:lnSpc>
+                <a:spcPct val="90000"/>
+              </a:lnSpc>
+              <a:spcBef>
+                <a:spcPts val="500"/>
+              </a:spcBef>
+              <a:buFont typeface="Arial" panose="020B0604020202020204" pitchFamily="34" charset="0"/>
+              <a:buChar char="•"/>
+              <a:defRPr sz="1800" kern="1200">
+                <a:solidFill>
+                  <a:schemeClr val="tx1"/>
+                </a:solidFill>
+                <a:latin typeface="+mn-lt"/>
+                <a:ea typeface="+mn-ea"/>
+                <a:cs typeface="+mn-cs"/>
+              </a:defRPr>
+            </a:lvl7pPr>
+            <a:lvl8pPr marL="3429000" indent="-228600" algn="l" defTabSz="914400" rtl="0" eaLnBrk="1" latinLnBrk="0" hangingPunct="1">
+              <a:lnSpc>
+                <a:spcPct val="90000"/>
+              </a:lnSpc>
+              <a:spcBef>
+                <a:spcPts val="500"/>
+              </a:spcBef>
+              <a:buFont typeface="Arial" panose="020B0604020202020204" pitchFamily="34" charset="0"/>
+              <a:buChar char="•"/>
+              <a:defRPr sz="1800" kern="1200">
+                <a:solidFill>
+                  <a:schemeClr val="tx1"/>
+                </a:solidFill>
+                <a:latin typeface="+mn-lt"/>
+                <a:ea typeface="+mn-ea"/>
+                <a:cs typeface="+mn-cs"/>
+              </a:defRPr>
+            </a:lvl8pPr>
+            <a:lvl9pPr marL="3886200" indent="-228600" algn="l" defTabSz="914400" rtl="0" eaLnBrk="1" latinLnBrk="0" hangingPunct="1">
+              <a:lnSpc>
+                <a:spcPct val="90000"/>
+              </a:lnSpc>
+              <a:spcBef>
+                <a:spcPts val="500"/>
+              </a:spcBef>
+              <a:buFont typeface="Arial" panose="020B0604020202020204" pitchFamily="34" charset="0"/>
+              <a:buChar char="•"/>
+              <a:defRPr sz="1800" kern="1200">
+                <a:solidFill>
+                  <a:schemeClr val="tx1"/>
+                </a:solidFill>
+                <a:latin typeface="+mn-lt"/>
+                <a:ea typeface="+mn-ea"/>
+                <a:cs typeface="+mn-cs"/>
+              </a:defRPr>
+            </a:lvl9pPr>
+          </a:lstStyle>
+          <a:p>
+            <a:r>
+              <a:rPr lang="en-US" dirty="0">
+                <a:solidFill>
+                  <a:schemeClr val="bg1"/>
+                </a:solidFill>
+              </a:rPr>
+              <a:t>PHP OO</a:t>
+            </a:r>
+            <a:br>
+              <a:rPr lang="en-US" dirty="0">
+                <a:solidFill>
+                  <a:schemeClr val="bg1"/>
+                </a:solidFill>
+              </a:rPr>
+            </a:br>
+            <a:r>
+              <a:rPr lang="en-US" dirty="0">
+                <a:solidFill>
+                  <a:schemeClr val="bg1"/>
+                </a:solidFill>
+              </a:rPr>
+              <a:t>Laravel 8</a:t>
+            </a:r>
+            <a:br>
+              <a:rPr lang="en-US" dirty="0">
+                <a:solidFill>
+                  <a:schemeClr val="bg1"/>
+                </a:solidFill>
+              </a:rPr>
+            </a:br>
+            <a:r>
+              <a:rPr lang="en-US" dirty="0" err="1">
+                <a:solidFill>
+                  <a:schemeClr val="bg1"/>
+                </a:solidFill>
+              </a:rPr>
+              <a:t>Mysql</a:t>
+            </a:r>
+            <a:br>
+              <a:rPr lang="en-US" dirty="0">
+                <a:solidFill>
+                  <a:schemeClr val="bg1"/>
+                </a:solidFill>
+              </a:rPr>
+            </a:br>
+            <a:r>
+              <a:rPr lang="en-US" dirty="0">
+                <a:solidFill>
+                  <a:schemeClr val="bg1"/>
+                </a:solidFill>
+              </a:rPr>
+              <a:t>MVC – Model View Controller</a:t>
+            </a:r>
+            <a:br>
+              <a:rPr lang="en-US" dirty="0">
+                <a:solidFill>
+                  <a:schemeClr val="bg1"/>
+                </a:solidFill>
+              </a:rPr>
+            </a:br>
+            <a:r>
+              <a:rPr lang="en-US" dirty="0">
+                <a:solidFill>
+                  <a:schemeClr val="bg1"/>
+                </a:solidFill>
+              </a:rPr>
+              <a:t>Eloquent (</a:t>
+            </a:r>
+            <a:r>
+              <a:rPr lang="en-US" dirty="0" err="1">
+                <a:solidFill>
+                  <a:schemeClr val="bg1"/>
+                </a:solidFill>
+              </a:rPr>
+              <a:t>abstração</a:t>
+            </a:r>
+            <a:r>
+              <a:rPr lang="en-US" dirty="0">
+                <a:solidFill>
+                  <a:schemeClr val="bg1"/>
+                </a:solidFill>
+              </a:rPr>
+              <a:t> banco de dados)</a:t>
+            </a:r>
+            <a:br>
+              <a:rPr lang="en-US" dirty="0">
+                <a:solidFill>
+                  <a:schemeClr val="bg1"/>
+                </a:solidFill>
+              </a:rPr>
+            </a:br>
+            <a:r>
+              <a:rPr lang="en-US" dirty="0">
+                <a:solidFill>
+                  <a:schemeClr val="bg1"/>
+                </a:solidFill>
+              </a:rPr>
+              <a:t>Composer</a:t>
+            </a:r>
+            <a:br>
+              <a:rPr lang="en-US" dirty="0">
+                <a:solidFill>
+                  <a:schemeClr val="bg1"/>
+                </a:solidFill>
+              </a:rPr>
+            </a:br>
+            <a:r>
+              <a:rPr lang="en-US" dirty="0" err="1">
+                <a:solidFill>
+                  <a:schemeClr val="bg1"/>
+                </a:solidFill>
+              </a:rPr>
+              <a:t>ArtisanMigrations</a:t>
+            </a:r>
+            <a:endParaRPr lang="en-US" dirty="0">
+              <a:solidFill>
+                <a:schemeClr val="bg1"/>
+              </a:solidFill>
+            </a:endParaRPr>
+          </a:p>
+          <a:p>
+            <a:r>
+              <a:rPr lang="en-US" dirty="0">
+                <a:solidFill>
+                  <a:schemeClr val="bg1"/>
+                </a:solidFill>
+              </a:rPr>
+              <a:t>Seeders</a:t>
+            </a:r>
+          </a:p>
+          <a:p>
+            <a:r>
+              <a:rPr lang="en-US" dirty="0" err="1">
+                <a:solidFill>
+                  <a:schemeClr val="bg1"/>
+                </a:solidFill>
+              </a:rPr>
+              <a:t>Dependência</a:t>
+            </a:r>
+            <a:r>
+              <a:rPr lang="en-US" dirty="0">
+                <a:solidFill>
+                  <a:schemeClr val="bg1"/>
+                </a:solidFill>
+              </a:rPr>
+              <a:t> </a:t>
+            </a:r>
+            <a:r>
+              <a:rPr lang="en-US" dirty="0" err="1">
+                <a:solidFill>
+                  <a:schemeClr val="bg1"/>
+                </a:solidFill>
+              </a:rPr>
+              <a:t>Colletive</a:t>
+            </a:r>
+            <a:r>
+              <a:rPr lang="en-US" dirty="0">
+                <a:solidFill>
+                  <a:schemeClr val="bg1"/>
+                </a:solidFill>
+              </a:rPr>
+              <a:t> HTML/FORM</a:t>
+            </a:r>
+          </a:p>
+          <a:p>
+            <a:r>
+              <a:rPr lang="en-US" dirty="0" err="1">
+                <a:solidFill>
+                  <a:schemeClr val="bg1"/>
+                </a:solidFill>
+              </a:rPr>
+              <a:t>AdminLTE</a:t>
+            </a:r>
+            <a:endParaRPr lang="pt-BR" dirty="0">
+              <a:solidFill>
+                <a:schemeClr val="bg1"/>
+              </a:solidFill>
+            </a:endParaRPr>
+          </a:p>
+        </p:txBody>
+      </p:sp>
     </p:spTree>
     <p:extLst>
       <p:ext uri="{BB962C8B-B14F-4D97-AF65-F5344CB8AC3E}">

--- a/modelo-apresentacao-CSI-PF.pptx
+++ b/modelo-apresentacao-CSI-PF.pptx
@@ -831,13 +831,19 @@
       </p:grpSpPr>
       <p:sp>
         <p:nvSpPr>
-          <p:cNvPr id="3" name="CaixaDeTexto 2"/>
+          <p:cNvPr id="5" name="CaixaDeTexto 4">
+            <a:extLst>
+              <a:ext uri="{FF2B5EF4-FFF2-40B4-BE49-F238E27FC236}">
+                <a16:creationId xmlns:a16="http://schemas.microsoft.com/office/drawing/2014/main" id="{E94CF42F-26B0-4110-A7A1-36769108BD35}"/>
+              </a:ext>
+            </a:extLst>
+          </p:cNvPr>
           <p:cNvSpPr txBox="1"/>
           <p:nvPr/>
         </p:nvSpPr>
         <p:spPr>
           <a:xfrm>
-            <a:off x="13077" y="2996952"/>
+            <a:off x="-22102" y="3490263"/>
             <a:ext cx="12192000" cy="1815882"/>
           </a:xfrm>
           <a:prstGeom prst="rect">
@@ -856,8 +862,14 @@
               <a:rPr lang="pt-BR" sz="2800" dirty="0">
                 <a:latin typeface="Arial Black" panose="020B0A04020102020204" pitchFamily="34" charset="0"/>
               </a:rPr>
-              <a:t>Membros da banca:</a:t>
-            </a:r>
+              <a:t>Professores (em ordem alfabética):</a:t>
+            </a:r>
+          </a:p>
+          <a:p>
+            <a:pPr algn="ctr"/>
+            <a:endParaRPr lang="pt-BR" sz="2800" dirty="0">
+              <a:latin typeface="Arial Black" panose="020B0A04020102020204" pitchFamily="34" charset="0"/>
+            </a:endParaRPr>
           </a:p>
           <a:p>
             <a:pPr algn="ctr"/>
@@ -865,7 +877,7 @@
               <a:rPr lang="pt-BR" sz="2800" dirty="0">
                 <a:latin typeface="Arial Black" panose="020B0A04020102020204" pitchFamily="34" charset="0"/>
               </a:rPr>
-              <a:t>Membro 1</a:t>
+              <a:t>Neste link você pode pegar a foto dos professores.</a:t>
             </a:r>
           </a:p>
           <a:p>
@@ -874,30 +886,27 @@
               <a:rPr lang="pt-BR" sz="2800" dirty="0">
                 <a:latin typeface="Arial Black" panose="020B0A04020102020204" pitchFamily="34" charset="0"/>
               </a:rPr>
-              <a:t>Membro 2</a:t>
-            </a:r>
-          </a:p>
-          <a:p>
-            <a:pPr algn="ctr"/>
-            <a:r>
-              <a:rPr lang="pt-BR" sz="2800" dirty="0">
-                <a:latin typeface="Arial Black" panose="020B0A04020102020204" pitchFamily="34" charset="0"/>
-              </a:rPr>
-              <a:t>Membro 3</a:t>
+              <a:t>https://github.com/andreneves/PP/tree/master/professores</a:t>
             </a:r>
           </a:p>
         </p:txBody>
       </p:sp>
       <p:sp>
         <p:nvSpPr>
-          <p:cNvPr id="4" name="CaixaDeTexto 3"/>
+          <p:cNvPr id="6" name="CaixaDeTexto 5">
+            <a:extLst>
+              <a:ext uri="{FF2B5EF4-FFF2-40B4-BE49-F238E27FC236}">
+                <a16:creationId xmlns:a16="http://schemas.microsoft.com/office/drawing/2014/main" id="{93F7E150-FB72-41F1-9C17-7E9442D7F186}"/>
+              </a:ext>
+            </a:extLst>
+          </p:cNvPr>
           <p:cNvSpPr txBox="1"/>
           <p:nvPr/>
         </p:nvSpPr>
         <p:spPr>
           <a:xfrm>
-            <a:off x="0" y="5805264"/>
-            <a:ext cx="12192000" cy="584775"/>
+            <a:off x="3186" y="1628800"/>
+            <a:ext cx="12192000" cy="830997"/>
           </a:xfrm>
           <a:prstGeom prst="rect">
             <a:avLst/>
@@ -912,10 +921,13 @@
           <a:p>
             <a:pPr algn="ctr"/>
             <a:r>
-              <a:rPr lang="pt-BR" sz="3200" dirty="0">
+              <a:rPr lang="pt-BR" sz="4800" dirty="0">
+                <a:solidFill>
+                  <a:schemeClr val="bg1"/>
+                </a:solidFill>
                 <a:latin typeface="Arial Black" panose="020B0A04020102020204" pitchFamily="34" charset="0"/>
               </a:rPr>
-              <a:t>Orientador: ...</a:t>
+              <a:t>Professores:</a:t>
             </a:r>
           </a:p>
         </p:txBody>
@@ -1128,7 +1140,7 @@
 </file>
 
 <file path=ppt/slides/slide5.xml><?xml version="1.0" encoding="utf-8"?>
-<p:sld xmlns:a="http://schemas.openxmlformats.org/drawingml/2006/main" xmlns:r="http://schemas.openxmlformats.org/officeDocument/2006/relationships" xmlns:p="http://schemas.openxmlformats.org/presentationml/2006/main">
+<p:sld xmlns:a="http://schemas.openxmlformats.org/drawingml/2006/main" xmlns:r="http://schemas.openxmlformats.org/officeDocument/2006/relationships" xmlns:p="http://schemas.openxmlformats.org/presentationml/2006/main" show="0">
   <p:cSld>
     <p:spTree>
       <p:nvGrpSpPr>

--- a/modelo-apresentacao-CSI-PF.pptx
+++ b/modelo-apresentacao-CSI-PF.pptx
@@ -1308,7 +1308,7 @@
         </p:nvSpPr>
         <p:spPr>
           <a:xfrm>
-            <a:off x="842273" y="2475479"/>
+            <a:off x="983432" y="2014681"/>
             <a:ext cx="9144000" cy="1655762"/>
           </a:xfrm>
           <a:prstGeom prst="rect">
@@ -1591,18 +1591,23 @@
               </a:rPr>
             </a:br>
             <a:r>
-              <a:rPr lang="en-US" dirty="0" err="1">
-                <a:solidFill>
-                  <a:schemeClr val="bg1"/>
-                </a:solidFill>
-              </a:rPr>
-              <a:t>ArtisanMigrations</a:t>
-            </a:r>
-            <a:endParaRPr lang="en-US" dirty="0">
-              <a:solidFill>
-                <a:schemeClr val="bg1"/>
-              </a:solidFill>
-            </a:endParaRPr>
+              <a:rPr lang="en-US" dirty="0">
+                <a:solidFill>
+                  <a:schemeClr val="bg1"/>
+                </a:solidFill>
+              </a:rPr>
+              <a:t>Artisan</a:t>
+            </a:r>
+          </a:p>
+          <a:p>
+            <a:r>
+              <a:rPr lang="en-US" dirty="0">
+                <a:solidFill>
+                  <a:schemeClr val="bg1"/>
+                </a:solidFill>
+              </a:rPr>
+              <a:t>Migrations</a:t>
+            </a:r>
           </a:p>
           <a:p>
             <a:r>

--- a/modelo-apresentacao-CSI-PF.pptx
+++ b/modelo-apresentacao-CSI-PF.pptx
@@ -1308,8 +1308,8 @@
         </p:nvSpPr>
         <p:spPr>
           <a:xfrm>
-            <a:off x="983432" y="2014681"/>
-            <a:ext cx="9144000" cy="1655762"/>
+            <a:off x="983432" y="2014680"/>
+            <a:ext cx="10009112" cy="4654679"/>
           </a:xfrm>
           <a:prstGeom prst="rect">
             <a:avLst/>
